--- a/predavanja/prezentacije/2020-21/02 - Uvod u racunarske mreze.pptx
+++ b/predavanja/prezentacije/2020-21/02 - Uvod u racunarske mreze.pptx
@@ -188,7 +188,7 @@
   </p:defaultTextStyle>
   <p:extLst>
     <p:ext uri="{EFAFB233-063F-42B5-8137-9DF3F51BA10A}">
-      <p15:sldGuideLst xmlns:p15="http://schemas.microsoft.com/office/powerpoint/2012/main">
+      <p15:sldGuideLst xmlns="" xmlns:p15="http://schemas.microsoft.com/office/powerpoint/2012/main">
         <p15:guide id="1" orient="horz" pos="2160">
           <p15:clr>
             <a:srgbClr val="A4A3A4"/>
@@ -287,7 +287,7 @@
           <a:p>
             <a:fld id="{6B3683FA-0560-4266-A2CA-8A7D404C35FD}" type="datetimeFigureOut">
               <a:rPr lang="en-US" smtClean="0"/>
-              <a:t>23-Jan-21</a:t>
+              <a:t>2/27/2021</a:t>
             </a:fld>
             <a:endParaRPr lang="en-US"/>
           </a:p>
@@ -28765,11 +28765,7 @@
             </a:pPr>
             <a:r>
               <a:rPr lang="sr-Latn-RS" altLang="en-US" dirty="0" smtClean="0"/>
-              <a:t>Slojevi </a:t>
-            </a:r>
-            <a:r>
-              <a:rPr lang="sr-Latn-RS" altLang="en-US" dirty="0" smtClean="0"/>
-              <a:t>u okviru referentnog OSI modela:</a:t>
+              <a:t>Slojevi u okviru referentnog OSI modela:</a:t>
             </a:r>
           </a:p>
           <a:p>
@@ -30001,15 +29997,11 @@
               <a:t>: </a:t>
             </a:r>
             <a:r>
-              <a:rPr lang="pl-PL" altLang="en-US" dirty="0" err="1"/>
-              <a:t>elektronska</a:t>
-            </a:r>
-            <a:r>
               <a:rPr lang="pl-PL" altLang="en-US" dirty="0"/>
-              <a:t> </a:t>
-            </a:r>
-            <a:r>
-              <a:rPr lang="pl-PL" altLang="en-US" dirty="0" err="1" smtClean="0"/>
+              <a:t>elektronska </a:t>
+            </a:r>
+            <a:r>
+              <a:rPr lang="pl-PL" altLang="en-US" dirty="0" smtClean="0"/>
               <a:t>pošta</a:t>
             </a:r>
             <a:r>
@@ -30017,44 +30009,44 @@
               <a:t>, </a:t>
             </a:r>
             <a:r>
-              <a:rPr lang="pl-PL" altLang="en-US" dirty="0" err="1" smtClean="0"/>
+              <a:rPr lang="pl-PL" altLang="en-US" dirty="0" smtClean="0"/>
               <a:t>dru</a:t>
             </a:r>
             <a:r>
-              <a:rPr lang="pl-PL" altLang="en-US" dirty="0" err="1"/>
+              <a:rPr lang="pl-PL" altLang="en-US" dirty="0"/>
               <a:t>š</a:t>
             </a:r>
             <a:r>
-              <a:rPr lang="pl-PL" altLang="en-US" dirty="0" err="1" smtClean="0"/>
-              <a:t>tvene</a:t>
-            </a:r>
-            <a:r>
               <a:rPr lang="pl-PL" altLang="en-US" dirty="0" smtClean="0"/>
+              <a:t>tvene mre</a:t>
+            </a:r>
+            <a:r>
+              <a:rPr lang="pl-PL" altLang="en-US" dirty="0"/>
+              <a:t>ž</a:t>
+            </a:r>
+            <a:r>
+              <a:rPr lang="pl-PL" altLang="en-US" dirty="0" smtClean="0"/>
+              <a:t>e</a:t>
+            </a:r>
+            <a:r>
+              <a:rPr lang="pl-PL" altLang="en-US" dirty="0"/>
+              <a:t>, Skype, Viber</a:t>
+            </a:r>
+            <a:r>
+              <a:rPr lang="pl-PL" altLang="en-US" dirty="0" smtClean="0"/>
+              <a:t>,</a:t>
+            </a:r>
+            <a:r>
+              <a:rPr lang="sr-Cyrl-RS" altLang="en-US" dirty="0" smtClean="0"/>
               <a:t> </a:t>
             </a:r>
             <a:r>
-              <a:rPr lang="pl-PL" altLang="en-US" dirty="0" err="1" smtClean="0"/>
-              <a:t>mre</a:t>
-            </a:r>
-            <a:r>
-              <a:rPr lang="pl-PL" altLang="en-US" dirty="0" err="1"/>
-              <a:t>ž</a:t>
-            </a:r>
-            <a:r>
-              <a:rPr lang="pl-PL" altLang="en-US" dirty="0" err="1" smtClean="0"/>
-              <a:t>e</a:t>
-            </a:r>
-            <a:r>
-              <a:rPr lang="pl-PL" altLang="en-US" dirty="0"/>
-              <a:t>, Skype, </a:t>
-            </a:r>
-            <a:r>
-              <a:rPr lang="pl-PL" altLang="en-US" dirty="0" err="1"/>
-              <a:t>Viber</a:t>
-            </a:r>
-            <a:r>
-              <a:rPr lang="pl-PL" altLang="en-US" dirty="0"/>
-              <a:t>,...</a:t>
+              <a:rPr lang="en-US" altLang="en-US" dirty="0" smtClean="0"/>
+              <a:t>Telegram, </a:t>
+            </a:r>
+            <a:r>
+              <a:rPr lang="pl-PL" altLang="en-US" dirty="0" smtClean="0"/>
+              <a:t>...</a:t>
             </a:r>
             <a:endParaRPr lang="sr-Latn-RS" altLang="en-US" dirty="0" smtClean="0"/>
           </a:p>
@@ -30187,8 +30179,20 @@
               <a:t>, </a:t>
             </a:r>
             <a:r>
-              <a:rPr lang="sr-Latn-RS" dirty="0" err="1" smtClean="0"/>
+              <a:rPr lang="sr-Latn-RS" dirty="0" smtClean="0"/>
               <a:t>skenera</a:t>
+            </a:r>
+            <a:r>
+              <a:rPr lang="en-US" dirty="0" smtClean="0"/>
+              <a:t>, rad u “</a:t>
+            </a:r>
+            <a:r>
+              <a:rPr lang="en-US" dirty="0" err="1" smtClean="0"/>
+              <a:t>oblaku</a:t>
+            </a:r>
+            <a:r>
+              <a:rPr lang="en-US" dirty="0" smtClean="0"/>
+              <a:t>”</a:t>
             </a:r>
             <a:r>
               <a:rPr lang="sr-Latn-RS" dirty="0" smtClean="0"/>
@@ -31389,12 +31393,12 @@
               <a:t>: </a:t>
             </a:r>
             <a:r>
-              <a:rPr lang="sr-Latn-RS" dirty="0" err="1"/>
-              <a:t>koriscenje</a:t>
+              <a:rPr lang="sr-Latn-RS" smtClean="0"/>
+              <a:t>korišćenje </a:t>
             </a:r>
             <a:r>
               <a:rPr lang="sr-Latn-RS" dirty="0"/>
-              <a:t> veba, elektronske </a:t>
+              <a:t>veba, elektronske </a:t>
             </a:r>
             <a:r>
               <a:rPr lang="sr-Latn-RS" dirty="0" smtClean="0"/>
